--- a/簡報.pptx
+++ b/簡報.pptx
@@ -298,7 +298,7 @@
             <a:fld id="{87DE6118-2437-4B30-8E3C-4D2BE6020583}" type="datetimeFigureOut">
               <a:rPr lang="en-US" dirty="0"/>
               <a:pPr/>
-              <a:t>9/7/2020</a:t>
+              <a:t>9/8/2020</a:t>
             </a:fld>
             <a:endParaRPr lang="en-US" dirty="0"/>
           </a:p>
@@ -624,7 +624,7 @@
           <a:p>
             <a:fld id="{87DE6118-2437-4B30-8E3C-4D2BE6020583}" type="datetimeFigureOut">
               <a:rPr lang="en-US" dirty="0"/>
-              <a:t>9/7/2020</a:t>
+              <a:t>9/8/2020</a:t>
             </a:fld>
             <a:endParaRPr lang="en-US" dirty="0"/>
           </a:p>
@@ -799,7 +799,7 @@
           <a:p>
             <a:fld id="{87DE6118-2437-4B30-8E3C-4D2BE6020583}" type="datetimeFigureOut">
               <a:rPr lang="en-US" dirty="0"/>
-              <a:t>9/7/2020</a:t>
+              <a:t>9/8/2020</a:t>
             </a:fld>
             <a:endParaRPr lang="en-US" dirty="0"/>
           </a:p>
@@ -964,7 +964,7 @@
           <a:p>
             <a:fld id="{87DE6118-2437-4B30-8E3C-4D2BE6020583}" type="datetimeFigureOut">
               <a:rPr lang="en-US" dirty="0"/>
-              <a:t>9/7/2020</a:t>
+              <a:t>9/8/2020</a:t>
             </a:fld>
             <a:endParaRPr lang="en-US" dirty="0"/>
           </a:p>
@@ -1237,7 +1237,7 @@
             <a:fld id="{87DE6118-2437-4B30-8E3C-4D2BE6020583}" type="datetimeFigureOut">
               <a:rPr lang="en-US" dirty="0"/>
               <a:pPr/>
-              <a:t>9/7/2020</a:t>
+              <a:t>9/8/2020</a:t>
             </a:fld>
             <a:endParaRPr lang="en-US" dirty="0"/>
           </a:p>
@@ -1627,7 +1627,7 @@
           <a:p>
             <a:fld id="{87DE6118-2437-4B30-8E3C-4D2BE6020583}" type="datetimeFigureOut">
               <a:rPr lang="en-US" dirty="0"/>
-              <a:t>9/7/2020</a:t>
+              <a:t>9/8/2020</a:t>
             </a:fld>
             <a:endParaRPr lang="en-US" dirty="0"/>
           </a:p>
@@ -2099,7 +2099,7 @@
           <a:p>
             <a:fld id="{87DE6118-2437-4B30-8E3C-4D2BE6020583}" type="datetimeFigureOut">
               <a:rPr lang="en-US" dirty="0"/>
-              <a:t>9/7/2020</a:t>
+              <a:t>9/8/2020</a:t>
             </a:fld>
             <a:endParaRPr lang="en-US" dirty="0"/>
           </a:p>
@@ -2212,7 +2212,7 @@
           <a:p>
             <a:fld id="{87DE6118-2437-4B30-8E3C-4D2BE6020583}" type="datetimeFigureOut">
               <a:rPr lang="en-US" dirty="0"/>
-              <a:t>9/7/2020</a:t>
+              <a:t>9/8/2020</a:t>
             </a:fld>
             <a:endParaRPr lang="en-US" dirty="0"/>
           </a:p>
@@ -2302,7 +2302,7 @@
           <a:p>
             <a:fld id="{87DE6118-2437-4B30-8E3C-4D2BE6020583}" type="datetimeFigureOut">
               <a:rPr lang="en-US" dirty="0"/>
-              <a:t>9/7/2020</a:t>
+              <a:t>9/8/2020</a:t>
             </a:fld>
             <a:endParaRPr lang="en-US" dirty="0"/>
           </a:p>
@@ -2644,7 +2644,7 @@
             <a:fld id="{87DE6118-2437-4B30-8E3C-4D2BE6020583}" type="datetimeFigureOut">
               <a:rPr lang="en-US" dirty="0"/>
               <a:pPr/>
-              <a:t>9/7/2020</a:t>
+              <a:t>9/8/2020</a:t>
             </a:fld>
             <a:endParaRPr lang="en-US" dirty="0"/>
           </a:p>
@@ -3029,7 +3029,7 @@
             <a:fld id="{87DE6118-2437-4B30-8E3C-4D2BE6020583}" type="datetimeFigureOut">
               <a:rPr lang="en-US" dirty="0"/>
               <a:pPr/>
-              <a:t>9/7/2020</a:t>
+              <a:t>9/8/2020</a:t>
             </a:fld>
             <a:endParaRPr lang="en-US" dirty="0"/>
           </a:p>
@@ -3304,7 +3304,7 @@
             <a:fld id="{87DE6118-2437-4B30-8E3C-4D2BE6020583}" type="datetimeFigureOut">
               <a:rPr lang="en-US" dirty="0"/>
               <a:pPr/>
-              <a:t>9/7/2020</a:t>
+              <a:t>9/8/2020</a:t>
             </a:fld>
             <a:endParaRPr lang="en-US" dirty="0"/>
           </a:p>
@@ -3867,40 +3867,70 @@
           <a:lstStyle/>
           <a:p>
             <a:r>
-              <a:rPr lang="en-US" altLang="zh-TW" dirty="0"/>
+              <a:rPr lang="en-US" altLang="zh-TW" dirty="0">
+                <a:latin typeface="標楷體" panose="03000509000000000000" pitchFamily="65" charset="-120"/>
+                <a:ea typeface="標楷體" panose="03000509000000000000" pitchFamily="65" charset="-120"/>
+              </a:rPr>
               <a:t>10627211</a:t>
             </a:r>
             <a:r>
-              <a:rPr lang="zh-TW" altLang="en-US" dirty="0"/>
+              <a:rPr lang="zh-TW" altLang="en-US" dirty="0">
+                <a:latin typeface="標楷體" panose="03000509000000000000" pitchFamily="65" charset="-120"/>
+                <a:ea typeface="標楷體" panose="03000509000000000000" pitchFamily="65" charset="-120"/>
+              </a:rPr>
               <a:t> 林佑任</a:t>
             </a:r>
-            <a:endParaRPr lang="en-US" altLang="zh-TW" dirty="0"/>
-          </a:p>
-          <a:p>
-            <a:r>
-              <a:rPr lang="en-US" altLang="zh-TW" dirty="0"/>
+            <a:endParaRPr lang="en-US" altLang="zh-TW" dirty="0">
+              <a:latin typeface="標楷體" panose="03000509000000000000" pitchFamily="65" charset="-120"/>
+              <a:ea typeface="標楷體" panose="03000509000000000000" pitchFamily="65" charset="-120"/>
+            </a:endParaRPr>
+          </a:p>
+          <a:p>
+            <a:r>
+              <a:rPr lang="en-US" altLang="zh-TW" dirty="0">
+                <a:latin typeface="標楷體" panose="03000509000000000000" pitchFamily="65" charset="-120"/>
+                <a:ea typeface="標楷體" panose="03000509000000000000" pitchFamily="65" charset="-120"/>
+              </a:rPr>
               <a:t>10627217 </a:t>
             </a:r>
             <a:r>
-              <a:rPr lang="zh-TW" altLang="en-US" dirty="0"/>
+              <a:rPr lang="zh-TW" altLang="en-US" dirty="0">
+                <a:latin typeface="標楷體" panose="03000509000000000000" pitchFamily="65" charset="-120"/>
+                <a:ea typeface="標楷體" panose="03000509000000000000" pitchFamily="65" charset="-120"/>
+              </a:rPr>
               <a:t>張哲睿</a:t>
             </a:r>
-            <a:endParaRPr lang="en-US" altLang="zh-TW" dirty="0"/>
-          </a:p>
-          <a:p>
-            <a:r>
-              <a:rPr lang="en-US" altLang="zh-TW" dirty="0"/>
+            <a:endParaRPr lang="en-US" altLang="zh-TW" dirty="0">
+              <a:latin typeface="標楷體" panose="03000509000000000000" pitchFamily="65" charset="-120"/>
+              <a:ea typeface="標楷體" panose="03000509000000000000" pitchFamily="65" charset="-120"/>
+            </a:endParaRPr>
+          </a:p>
+          <a:p>
+            <a:r>
+              <a:rPr lang="en-US" altLang="zh-TW" dirty="0">
+                <a:latin typeface="標楷體" panose="03000509000000000000" pitchFamily="65" charset="-120"/>
+                <a:ea typeface="標楷體" panose="03000509000000000000" pitchFamily="65" charset="-120"/>
+              </a:rPr>
               <a:t>10627110</a:t>
             </a:r>
             <a:r>
-              <a:rPr lang="zh-TW" altLang="en-US" dirty="0"/>
+              <a:rPr lang="zh-TW" altLang="en-US" dirty="0">
+                <a:latin typeface="標楷體" panose="03000509000000000000" pitchFamily="65" charset="-120"/>
+                <a:ea typeface="標楷體" panose="03000509000000000000" pitchFamily="65" charset="-120"/>
+              </a:rPr>
               <a:t> 王昱凱</a:t>
             </a:r>
-            <a:endParaRPr lang="en-US" altLang="zh-TW" dirty="0"/>
-          </a:p>
-          <a:p>
-            <a:r>
-              <a:rPr lang="zh-TW" altLang="en-US" dirty="0"/>
+            <a:endParaRPr lang="en-US" altLang="zh-TW" dirty="0">
+              <a:latin typeface="標楷體" panose="03000509000000000000" pitchFamily="65" charset="-120"/>
+              <a:ea typeface="標楷體" panose="03000509000000000000" pitchFamily="65" charset="-120"/>
+            </a:endParaRPr>
+          </a:p>
+          <a:p>
+            <a:r>
+              <a:rPr lang="zh-TW" altLang="en-US" dirty="0">
+                <a:latin typeface="標楷體" panose="03000509000000000000" pitchFamily="65" charset="-120"/>
+                <a:ea typeface="標楷體" panose="03000509000000000000" pitchFamily="65" charset="-120"/>
+              </a:rPr>
               <a:t>指導教授 </a:t>
             </a:r>
             <a:r>
@@ -4051,10 +4081,16 @@
           <a:lstStyle/>
           <a:p>
             <a:r>
-              <a:rPr lang="en-US" altLang="zh-TW" dirty="0"/>
+              <a:rPr lang="en-US" altLang="zh-TW" dirty="0">
+                <a:latin typeface="標楷體" panose="03000509000000000000" pitchFamily="65" charset="-120"/>
+                <a:ea typeface="標楷體" panose="03000509000000000000" pitchFamily="65" charset="-120"/>
+              </a:rPr>
               <a:t>https://dialogflow.cloud.google.com</a:t>
             </a:r>
-            <a:endParaRPr lang="zh-TW" altLang="en-US" dirty="0"/>
+            <a:endParaRPr lang="zh-TW" altLang="en-US" dirty="0">
+              <a:latin typeface="標楷體" panose="03000509000000000000" pitchFamily="65" charset="-120"/>
+              <a:ea typeface="標楷體" panose="03000509000000000000" pitchFamily="65" charset="-120"/>
+            </a:endParaRPr>
           </a:p>
         </p:txBody>
       </p:sp>
@@ -4542,87 +4578,6 @@
               </a:rPr>
               <a:t>系統展示</a:t>
             </a:r>
-          </a:p>
-        </p:txBody>
-      </p:sp>
-      <p:sp>
-        <p:nvSpPr>
-          <p:cNvPr id="3" name="副標題 2">
-            <a:extLst>
-              <a:ext uri="{FF2B5EF4-FFF2-40B4-BE49-F238E27FC236}">
-                <a16:creationId xmlns:a16="http://schemas.microsoft.com/office/drawing/2014/main" id="{2F9F6C4C-DC4A-49A2-9A41-6B1F09761EAE}"/>
-              </a:ext>
-            </a:extLst>
-          </p:cNvPr>
-          <p:cNvSpPr>
-            <a:spLocks noGrp="1"/>
-          </p:cNvSpPr>
-          <p:nvPr>
-            <p:ph type="subTitle" idx="1"/>
-          </p:nvPr>
-        </p:nvSpPr>
-        <p:spPr/>
-        <p:txBody>
-          <a:bodyPr>
-            <a:normAutofit fontScale="70000" lnSpcReduction="20000"/>
-          </a:bodyPr>
-          <a:lstStyle/>
-          <a:p>
-            <a:r>
-              <a:rPr lang="en-US" altLang="zh-TW" dirty="0"/>
-              <a:t>10627211</a:t>
-            </a:r>
-            <a:r>
-              <a:rPr lang="zh-TW" altLang="en-US" dirty="0"/>
-              <a:t> 林佑任</a:t>
-            </a:r>
-            <a:endParaRPr lang="en-US" altLang="zh-TW" dirty="0"/>
-          </a:p>
-          <a:p>
-            <a:r>
-              <a:rPr lang="en-US" altLang="zh-TW" dirty="0"/>
-              <a:t>10627217 </a:t>
-            </a:r>
-            <a:r>
-              <a:rPr lang="zh-TW" altLang="en-US" dirty="0"/>
-              <a:t>張哲睿</a:t>
-            </a:r>
-            <a:endParaRPr lang="en-US" altLang="zh-TW" dirty="0"/>
-          </a:p>
-          <a:p>
-            <a:r>
-              <a:rPr lang="en-US" altLang="zh-TW" dirty="0"/>
-              <a:t>10627110</a:t>
-            </a:r>
-            <a:r>
-              <a:rPr lang="zh-TW" altLang="en-US" dirty="0"/>
-              <a:t> 王昱凱</a:t>
-            </a:r>
-            <a:endParaRPr lang="en-US" altLang="zh-TW" dirty="0"/>
-          </a:p>
-          <a:p>
-            <a:r>
-              <a:rPr lang="zh-TW" altLang="en-US" dirty="0"/>
-              <a:t>指導教授 </a:t>
-            </a:r>
-            <a:r>
-              <a:rPr lang="en-US" altLang="zh-TW" sz="1800" kern="100" dirty="0">
-                <a:effectLst/>
-                <a:latin typeface="標楷體" panose="03000509000000000000" pitchFamily="65" charset="-120"/>
-                <a:ea typeface="標楷體" panose="03000509000000000000" pitchFamily="65" charset="-120"/>
-                <a:cs typeface="Times New Roman" panose="02020603050405020304" pitchFamily="18" charset="0"/>
-              </a:rPr>
-              <a:t>Yi-Hung Wu</a:t>
-            </a:r>
-            <a:endParaRPr lang="zh-TW" altLang="zh-TW" sz="1800" kern="100" dirty="0">
-              <a:effectLst/>
-              <a:latin typeface="標楷體" panose="03000509000000000000" pitchFamily="65" charset="-120"/>
-              <a:ea typeface="標楷體" panose="03000509000000000000" pitchFamily="65" charset="-120"/>
-              <a:cs typeface="Times New Roman" panose="02020603050405020304" pitchFamily="18" charset="0"/>
-            </a:endParaRPr>
-          </a:p>
-          <a:p>
-            <a:endParaRPr lang="zh-TW" altLang="en-US" dirty="0"/>
           </a:p>
         </p:txBody>
       </p:sp>

--- a/簡報.pptx
+++ b/簡報.pptx
@@ -13,15 +13,16 @@
     <p:sldId id="269" r:id="rId7"/>
     <p:sldId id="259" r:id="rId8"/>
     <p:sldId id="271" r:id="rId9"/>
-    <p:sldId id="270" r:id="rId10"/>
-    <p:sldId id="272" r:id="rId11"/>
-    <p:sldId id="260" r:id="rId12"/>
-    <p:sldId id="273" r:id="rId13"/>
-    <p:sldId id="261" r:id="rId14"/>
-    <p:sldId id="274" r:id="rId15"/>
-    <p:sldId id="262" r:id="rId16"/>
-    <p:sldId id="263" r:id="rId17"/>
-    <p:sldId id="266" r:id="rId18"/>
+    <p:sldId id="275" r:id="rId10"/>
+    <p:sldId id="270" r:id="rId11"/>
+    <p:sldId id="272" r:id="rId12"/>
+    <p:sldId id="260" r:id="rId13"/>
+    <p:sldId id="273" r:id="rId14"/>
+    <p:sldId id="261" r:id="rId15"/>
+    <p:sldId id="274" r:id="rId16"/>
+    <p:sldId id="262" r:id="rId17"/>
+    <p:sldId id="263" r:id="rId18"/>
+    <p:sldId id="266" r:id="rId19"/>
   </p:sldIdLst>
   <p:sldSz cx="12192000" cy="6858000"/>
   <p:notesSz cx="6858000" cy="9144000"/>
@@ -3984,6 +3985,95 @@
           <a:chExt cx="0" cy="0"/>
         </a:xfrm>
       </p:grpSpPr>
+      <p:pic>
+        <p:nvPicPr>
+          <p:cNvPr id="5" name="內容版面配置區 4">
+            <a:extLst>
+              <a:ext uri="{FF2B5EF4-FFF2-40B4-BE49-F238E27FC236}">
+                <a16:creationId xmlns:a16="http://schemas.microsoft.com/office/drawing/2014/main" id="{9DCBD097-E046-4096-9510-EB540FD45308}"/>
+              </a:ext>
+            </a:extLst>
+          </p:cNvPr>
+          <p:cNvPicPr>
+            <a:picLocks noGrp="1" noChangeAspect="1"/>
+          </p:cNvPicPr>
+          <p:nvPr>
+            <p:ph idx="1"/>
+          </p:nvPr>
+        </p:nvPicPr>
+        <p:blipFill>
+          <a:blip r:embed="rId2"/>
+          <a:stretch>
+            <a:fillRect/>
+          </a:stretch>
+        </p:blipFill>
+        <p:spPr>
+          <a:xfrm>
+            <a:off x="1371600" y="967817"/>
+            <a:ext cx="6313698" cy="1203883"/>
+          </a:xfrm>
+        </p:spPr>
+      </p:pic>
+      <p:pic>
+        <p:nvPicPr>
+          <p:cNvPr id="7" name="圖片 6">
+            <a:extLst>
+              <a:ext uri="{FF2B5EF4-FFF2-40B4-BE49-F238E27FC236}">
+                <a16:creationId xmlns:a16="http://schemas.microsoft.com/office/drawing/2014/main" id="{042750F1-AA2A-40EA-9765-E6A47F339B1B}"/>
+              </a:ext>
+            </a:extLst>
+          </p:cNvPr>
+          <p:cNvPicPr>
+            <a:picLocks noChangeAspect="1"/>
+          </p:cNvPicPr>
+          <p:nvPr/>
+        </p:nvPicPr>
+        <p:blipFill>
+          <a:blip r:embed="rId3"/>
+          <a:stretch>
+            <a:fillRect/>
+          </a:stretch>
+        </p:blipFill>
+        <p:spPr>
+          <a:xfrm>
+            <a:off x="1075038" y="3101303"/>
+            <a:ext cx="11116962" cy="1203883"/>
+          </a:xfrm>
+          <a:prstGeom prst="rect">
+            <a:avLst/>
+          </a:prstGeom>
+        </p:spPr>
+      </p:pic>
+    </p:spTree>
+    <p:extLst>
+      <p:ext uri="{BB962C8B-B14F-4D97-AF65-F5344CB8AC3E}">
+        <p14:creationId xmlns:p14="http://schemas.microsoft.com/office/powerpoint/2010/main" val="873408983"/>
+      </p:ext>
+    </p:extLst>
+  </p:cSld>
+  <p:clrMapOvr>
+    <a:masterClrMapping/>
+  </p:clrMapOvr>
+</p:sld>
+</file>
+
+<file path=ppt/slides/slide11.xml><?xml version="1.0" encoding="utf-8"?>
+<p:sld xmlns:a="http://schemas.openxmlformats.org/drawingml/2006/main" xmlns:r="http://schemas.openxmlformats.org/officeDocument/2006/relationships" xmlns:p="http://schemas.openxmlformats.org/presentationml/2006/main">
+  <p:cSld>
+    <p:spTree>
+      <p:nvGrpSpPr>
+        <p:cNvPr id="1" name=""/>
+        <p:cNvGrpSpPr/>
+        <p:nvPr/>
+      </p:nvGrpSpPr>
+      <p:grpSpPr>
+        <a:xfrm>
+          <a:off x="0" y="0"/>
+          <a:ext cx="0" cy="0"/>
+          <a:chOff x="0" y="0"/>
+          <a:chExt cx="0" cy="0"/>
+        </a:xfrm>
+      </p:grpSpPr>
       <p:sp>
         <p:nvSpPr>
           <p:cNvPr id="2" name="標題 1">
@@ -4042,7 +4132,7 @@
 </p:sld>
 </file>
 
-<file path=ppt/slides/slide11.xml><?xml version="1.0" encoding="utf-8"?>
+<file path=ppt/slides/slide12.xml><?xml version="1.0" encoding="utf-8"?>
 <p:sld xmlns:a="http://schemas.openxmlformats.org/drawingml/2006/main" xmlns:r="http://schemas.openxmlformats.org/officeDocument/2006/relationships" xmlns:p="http://schemas.openxmlformats.org/presentationml/2006/main">
   <p:cSld>
     <p:spTree>
@@ -4137,81 +4227,6 @@
 </p:sld>
 </file>
 
-<file path=ppt/slides/slide12.xml><?xml version="1.0" encoding="utf-8"?>
-<p:sld xmlns:a="http://schemas.openxmlformats.org/drawingml/2006/main" xmlns:r="http://schemas.openxmlformats.org/officeDocument/2006/relationships" xmlns:p="http://schemas.openxmlformats.org/presentationml/2006/main">
-  <p:cSld>
-    <p:spTree>
-      <p:nvGrpSpPr>
-        <p:cNvPr id="1" name=""/>
-        <p:cNvGrpSpPr/>
-        <p:nvPr/>
-      </p:nvGrpSpPr>
-      <p:grpSpPr>
-        <a:xfrm>
-          <a:off x="0" y="0"/>
-          <a:ext cx="0" cy="0"/>
-          <a:chOff x="0" y="0"/>
-          <a:chExt cx="0" cy="0"/>
-        </a:xfrm>
-      </p:grpSpPr>
-      <p:sp>
-        <p:nvSpPr>
-          <p:cNvPr id="2" name="標題 1">
-            <a:extLst>
-              <a:ext uri="{FF2B5EF4-FFF2-40B4-BE49-F238E27FC236}">
-                <a16:creationId xmlns:a16="http://schemas.microsoft.com/office/drawing/2014/main" id="{AD48AD94-E7D5-4417-91A2-308683A3716E}"/>
-              </a:ext>
-            </a:extLst>
-          </p:cNvPr>
-          <p:cNvSpPr>
-            <a:spLocks noGrp="1"/>
-          </p:cNvSpPr>
-          <p:nvPr>
-            <p:ph type="ctrTitle"/>
-          </p:nvPr>
-        </p:nvSpPr>
-        <p:spPr/>
-        <p:txBody>
-          <a:bodyPr/>
-          <a:lstStyle/>
-          <a:p>
-            <a:r>
-              <a:rPr lang="zh-TW" altLang="en-US" dirty="0">
-                <a:latin typeface="標楷體" panose="03000509000000000000" pitchFamily="65" charset="-120"/>
-                <a:ea typeface="標楷體" panose="03000509000000000000" pitchFamily="65" charset="-120"/>
-              </a:rPr>
-              <a:t>四</a:t>
-            </a:r>
-            <a:r>
-              <a:rPr lang="en-US" altLang="zh-TW" dirty="0">
-                <a:latin typeface="標楷體" panose="03000509000000000000" pitchFamily="65" charset="-120"/>
-                <a:ea typeface="標楷體" panose="03000509000000000000" pitchFamily="65" charset="-120"/>
-              </a:rPr>
-              <a:t>.</a:t>
-            </a:r>
-            <a:r>
-              <a:rPr lang="zh-TW" altLang="en-US" dirty="0">
-                <a:latin typeface="標楷體" panose="03000509000000000000" pitchFamily="65" charset="-120"/>
-                <a:ea typeface="標楷體" panose="03000509000000000000" pitchFamily="65" charset="-120"/>
-              </a:rPr>
-              <a:t>網頁資料爬蟲</a:t>
-            </a:r>
-          </a:p>
-        </p:txBody>
-      </p:sp>
-    </p:spTree>
-    <p:extLst>
-      <p:ext uri="{BB962C8B-B14F-4D97-AF65-F5344CB8AC3E}">
-        <p14:creationId xmlns:p14="http://schemas.microsoft.com/office/powerpoint/2010/main" val="3825810599"/>
-      </p:ext>
-    </p:extLst>
-  </p:cSld>
-  <p:clrMapOvr>
-    <a:masterClrMapping/>
-  </p:clrMapOvr>
-</p:sld>
-</file>
-
 <file path=ppt/slides/slide13.xml><?xml version="1.0" encoding="utf-8"?>
 <p:sld xmlns:a="http://schemas.openxmlformats.org/drawingml/2006/main" xmlns:r="http://schemas.openxmlformats.org/officeDocument/2006/relationships" xmlns:p="http://schemas.openxmlformats.org/presentationml/2006/main">
   <p:cSld>
@@ -4234,7 +4249,7 @@
           <p:cNvPr id="2" name="標題 1">
             <a:extLst>
               <a:ext uri="{FF2B5EF4-FFF2-40B4-BE49-F238E27FC236}">
-                <a16:creationId xmlns:a16="http://schemas.microsoft.com/office/drawing/2014/main" id="{A8A36709-CACF-4765-AF2D-6548009FF817}"/>
+                <a16:creationId xmlns:a16="http://schemas.microsoft.com/office/drawing/2014/main" id="{AD48AD94-E7D5-4417-91A2-308683A3716E}"/>
               </a:ext>
             </a:extLst>
           </p:cNvPr>
@@ -4242,7 +4257,7 @@
             <a:spLocks noGrp="1"/>
           </p:cNvSpPr>
           <p:nvPr>
-            <p:ph type="title"/>
+            <p:ph type="ctrTitle"/>
           </p:nvPr>
         </p:nvSpPr>
         <p:spPr/>
@@ -4250,42 +4265,34 @@
           <a:bodyPr/>
           <a:lstStyle/>
           <a:p>
-            <a:endParaRPr lang="zh-TW" altLang="en-US" dirty="0">
-              <a:latin typeface="標楷體" panose="03000509000000000000" pitchFamily="65" charset="-120"/>
-              <a:ea typeface="標楷體" panose="03000509000000000000" pitchFamily="65" charset="-120"/>
-            </a:endParaRPr>
-          </a:p>
-        </p:txBody>
-      </p:sp>
-      <p:sp>
-        <p:nvSpPr>
-          <p:cNvPr id="3" name="內容版面配置區 2">
-            <a:extLst>
-              <a:ext uri="{FF2B5EF4-FFF2-40B4-BE49-F238E27FC236}">
-                <a16:creationId xmlns:a16="http://schemas.microsoft.com/office/drawing/2014/main" id="{950CF50B-7B10-4D6F-B9BA-FEDDB492FABE}"/>
-              </a:ext>
-            </a:extLst>
-          </p:cNvPr>
-          <p:cNvSpPr>
-            <a:spLocks noGrp="1"/>
-          </p:cNvSpPr>
-          <p:nvPr>
-            <p:ph idx="1"/>
-          </p:nvPr>
-        </p:nvSpPr>
-        <p:spPr/>
-        <p:txBody>
-          <a:bodyPr/>
-          <a:lstStyle/>
-          <a:p>
-            <a:endParaRPr lang="zh-TW" altLang="en-US" dirty="0"/>
+            <a:r>
+              <a:rPr lang="zh-TW" altLang="en-US" dirty="0">
+                <a:latin typeface="標楷體" panose="03000509000000000000" pitchFamily="65" charset="-120"/>
+                <a:ea typeface="標楷體" panose="03000509000000000000" pitchFamily="65" charset="-120"/>
+              </a:rPr>
+              <a:t>四</a:t>
+            </a:r>
+            <a:r>
+              <a:rPr lang="en-US" altLang="zh-TW" dirty="0">
+                <a:latin typeface="標楷體" panose="03000509000000000000" pitchFamily="65" charset="-120"/>
+                <a:ea typeface="標楷體" panose="03000509000000000000" pitchFamily="65" charset="-120"/>
+              </a:rPr>
+              <a:t>.</a:t>
+            </a:r>
+            <a:r>
+              <a:rPr lang="zh-TW" altLang="en-US" dirty="0">
+                <a:latin typeface="標楷體" panose="03000509000000000000" pitchFamily="65" charset="-120"/>
+                <a:ea typeface="標楷體" panose="03000509000000000000" pitchFamily="65" charset="-120"/>
+              </a:rPr>
+              <a:t>網頁資料爬蟲</a:t>
+            </a:r>
           </a:p>
         </p:txBody>
       </p:sp>
     </p:spTree>
     <p:extLst>
       <p:ext uri="{BB962C8B-B14F-4D97-AF65-F5344CB8AC3E}">
-        <p14:creationId xmlns:p14="http://schemas.microsoft.com/office/powerpoint/2010/main" val="3610968421"/>
+        <p14:creationId xmlns:p14="http://schemas.microsoft.com/office/powerpoint/2010/main" val="3825810599"/>
       </p:ext>
     </p:extLst>
   </p:cSld>
@@ -4317,7 +4324,7 @@
           <p:cNvPr id="2" name="標題 1">
             <a:extLst>
               <a:ext uri="{FF2B5EF4-FFF2-40B4-BE49-F238E27FC236}">
-                <a16:creationId xmlns:a16="http://schemas.microsoft.com/office/drawing/2014/main" id="{AD48AD94-E7D5-4417-91A2-308683A3716E}"/>
+                <a16:creationId xmlns:a16="http://schemas.microsoft.com/office/drawing/2014/main" id="{A8A36709-CACF-4765-AF2D-6548009FF817}"/>
               </a:ext>
             </a:extLst>
           </p:cNvPr>
@@ -4325,7 +4332,7 @@
             <a:spLocks noGrp="1"/>
           </p:cNvSpPr>
           <p:nvPr>
-            <p:ph type="ctrTitle"/>
+            <p:ph type="title"/>
           </p:nvPr>
         </p:nvSpPr>
         <p:spPr/>
@@ -4333,34 +4340,42 @@
           <a:bodyPr/>
           <a:lstStyle/>
           <a:p>
-            <a:r>
-              <a:rPr lang="zh-TW" altLang="en-US" dirty="0">
-                <a:latin typeface="標楷體" panose="03000509000000000000" pitchFamily="65" charset="-120"/>
-                <a:ea typeface="標楷體" panose="03000509000000000000" pitchFamily="65" charset="-120"/>
-              </a:rPr>
-              <a:t>四</a:t>
-            </a:r>
-            <a:r>
-              <a:rPr lang="en-US" altLang="zh-TW" dirty="0">
-                <a:latin typeface="標楷體" panose="03000509000000000000" pitchFamily="65" charset="-120"/>
-                <a:ea typeface="標楷體" panose="03000509000000000000" pitchFamily="65" charset="-120"/>
-              </a:rPr>
-              <a:t>.</a:t>
-            </a:r>
-            <a:r>
-              <a:rPr lang="zh-TW" altLang="en-US" dirty="0">
-                <a:latin typeface="標楷體" panose="03000509000000000000" pitchFamily="65" charset="-120"/>
-                <a:ea typeface="標楷體" panose="03000509000000000000" pitchFamily="65" charset="-120"/>
-              </a:rPr>
-              <a:t>搜尋結果的篩選方法</a:t>
-            </a:r>
+            <a:endParaRPr lang="zh-TW" altLang="en-US" dirty="0">
+              <a:latin typeface="標楷體" panose="03000509000000000000" pitchFamily="65" charset="-120"/>
+              <a:ea typeface="標楷體" panose="03000509000000000000" pitchFamily="65" charset="-120"/>
+            </a:endParaRPr>
+          </a:p>
+        </p:txBody>
+      </p:sp>
+      <p:sp>
+        <p:nvSpPr>
+          <p:cNvPr id="3" name="內容版面配置區 2">
+            <a:extLst>
+              <a:ext uri="{FF2B5EF4-FFF2-40B4-BE49-F238E27FC236}">
+                <a16:creationId xmlns:a16="http://schemas.microsoft.com/office/drawing/2014/main" id="{950CF50B-7B10-4D6F-B9BA-FEDDB492FABE}"/>
+              </a:ext>
+            </a:extLst>
+          </p:cNvPr>
+          <p:cNvSpPr>
+            <a:spLocks noGrp="1"/>
+          </p:cNvSpPr>
+          <p:nvPr>
+            <p:ph idx="1"/>
+          </p:nvPr>
+        </p:nvSpPr>
+        <p:spPr/>
+        <p:txBody>
+          <a:bodyPr/>
+          <a:lstStyle/>
+          <a:p>
+            <a:endParaRPr lang="zh-TW" altLang="en-US" dirty="0"/>
           </a:p>
         </p:txBody>
       </p:sp>
     </p:spTree>
     <p:extLst>
       <p:ext uri="{BB962C8B-B14F-4D97-AF65-F5344CB8AC3E}">
-        <p14:creationId xmlns:p14="http://schemas.microsoft.com/office/powerpoint/2010/main" val="1959377714"/>
+        <p14:creationId xmlns:p14="http://schemas.microsoft.com/office/powerpoint/2010/main" val="3610968421"/>
       </p:ext>
     </p:extLst>
   </p:cSld>
@@ -4392,7 +4407,7 @@
           <p:cNvPr id="2" name="標題 1">
             <a:extLst>
               <a:ext uri="{FF2B5EF4-FFF2-40B4-BE49-F238E27FC236}">
-                <a16:creationId xmlns:a16="http://schemas.microsoft.com/office/drawing/2014/main" id="{B4B8EB5F-6633-4691-B53D-47F5F6B59BF3}"/>
+                <a16:creationId xmlns:a16="http://schemas.microsoft.com/office/drawing/2014/main" id="{AD48AD94-E7D5-4417-91A2-308683A3716E}"/>
               </a:ext>
             </a:extLst>
           </p:cNvPr>
@@ -4400,7 +4415,7 @@
             <a:spLocks noGrp="1"/>
           </p:cNvSpPr>
           <p:nvPr>
-            <p:ph type="title"/>
+            <p:ph type="ctrTitle"/>
           </p:nvPr>
         </p:nvSpPr>
         <p:spPr/>
@@ -4408,39 +4423,34 @@
           <a:bodyPr/>
           <a:lstStyle/>
           <a:p>
-            <a:endParaRPr lang="zh-TW" altLang="en-US" dirty="0"/>
-          </a:p>
-        </p:txBody>
-      </p:sp>
-      <p:sp>
-        <p:nvSpPr>
-          <p:cNvPr id="3" name="內容版面配置區 2">
-            <a:extLst>
-              <a:ext uri="{FF2B5EF4-FFF2-40B4-BE49-F238E27FC236}">
-                <a16:creationId xmlns:a16="http://schemas.microsoft.com/office/drawing/2014/main" id="{86DFBA8A-D2B9-4731-B3F6-D50F0C0FBA8A}"/>
-              </a:ext>
-            </a:extLst>
-          </p:cNvPr>
-          <p:cNvSpPr>
-            <a:spLocks noGrp="1"/>
-          </p:cNvSpPr>
-          <p:nvPr>
-            <p:ph idx="1"/>
-          </p:nvPr>
-        </p:nvSpPr>
-        <p:spPr/>
-        <p:txBody>
-          <a:bodyPr/>
-          <a:lstStyle/>
-          <a:p>
-            <a:endParaRPr lang="zh-TW" altLang="en-US"/>
+            <a:r>
+              <a:rPr lang="zh-TW" altLang="en-US" dirty="0">
+                <a:latin typeface="標楷體" panose="03000509000000000000" pitchFamily="65" charset="-120"/>
+                <a:ea typeface="標楷體" panose="03000509000000000000" pitchFamily="65" charset="-120"/>
+              </a:rPr>
+              <a:t>四</a:t>
+            </a:r>
+            <a:r>
+              <a:rPr lang="en-US" altLang="zh-TW" dirty="0">
+                <a:latin typeface="標楷體" panose="03000509000000000000" pitchFamily="65" charset="-120"/>
+                <a:ea typeface="標楷體" panose="03000509000000000000" pitchFamily="65" charset="-120"/>
+              </a:rPr>
+              <a:t>.</a:t>
+            </a:r>
+            <a:r>
+              <a:rPr lang="zh-TW" altLang="en-US" dirty="0">
+                <a:latin typeface="標楷體" panose="03000509000000000000" pitchFamily="65" charset="-120"/>
+                <a:ea typeface="標楷體" panose="03000509000000000000" pitchFamily="65" charset="-120"/>
+              </a:rPr>
+              <a:t>搜尋結果的篩選方法</a:t>
+            </a:r>
           </a:p>
         </p:txBody>
       </p:sp>
     </p:spTree>
     <p:extLst>
       <p:ext uri="{BB962C8B-B14F-4D97-AF65-F5344CB8AC3E}">
-        <p14:creationId xmlns:p14="http://schemas.microsoft.com/office/powerpoint/2010/main" val="2425967556"/>
+        <p14:creationId xmlns:p14="http://schemas.microsoft.com/office/powerpoint/2010/main" val="1959377714"/>
       </p:ext>
     </p:extLst>
   </p:cSld>
@@ -4472,6 +4482,86 @@
           <p:cNvPr id="2" name="標題 1">
             <a:extLst>
               <a:ext uri="{FF2B5EF4-FFF2-40B4-BE49-F238E27FC236}">
+                <a16:creationId xmlns:a16="http://schemas.microsoft.com/office/drawing/2014/main" id="{B4B8EB5F-6633-4691-B53D-47F5F6B59BF3}"/>
+              </a:ext>
+            </a:extLst>
+          </p:cNvPr>
+          <p:cNvSpPr>
+            <a:spLocks noGrp="1"/>
+          </p:cNvSpPr>
+          <p:nvPr>
+            <p:ph type="title"/>
+          </p:nvPr>
+        </p:nvSpPr>
+        <p:spPr/>
+        <p:txBody>
+          <a:bodyPr/>
+          <a:lstStyle/>
+          <a:p>
+            <a:endParaRPr lang="zh-TW" altLang="en-US" dirty="0"/>
+          </a:p>
+        </p:txBody>
+      </p:sp>
+      <p:sp>
+        <p:nvSpPr>
+          <p:cNvPr id="3" name="內容版面配置區 2">
+            <a:extLst>
+              <a:ext uri="{FF2B5EF4-FFF2-40B4-BE49-F238E27FC236}">
+                <a16:creationId xmlns:a16="http://schemas.microsoft.com/office/drawing/2014/main" id="{86DFBA8A-D2B9-4731-B3F6-D50F0C0FBA8A}"/>
+              </a:ext>
+            </a:extLst>
+          </p:cNvPr>
+          <p:cNvSpPr>
+            <a:spLocks noGrp="1"/>
+          </p:cNvSpPr>
+          <p:nvPr>
+            <p:ph idx="1"/>
+          </p:nvPr>
+        </p:nvSpPr>
+        <p:spPr/>
+        <p:txBody>
+          <a:bodyPr/>
+          <a:lstStyle/>
+          <a:p>
+            <a:endParaRPr lang="zh-TW" altLang="en-US"/>
+          </a:p>
+        </p:txBody>
+      </p:sp>
+    </p:spTree>
+    <p:extLst>
+      <p:ext uri="{BB962C8B-B14F-4D97-AF65-F5344CB8AC3E}">
+        <p14:creationId xmlns:p14="http://schemas.microsoft.com/office/powerpoint/2010/main" val="2425967556"/>
+      </p:ext>
+    </p:extLst>
+  </p:cSld>
+  <p:clrMapOvr>
+    <a:masterClrMapping/>
+  </p:clrMapOvr>
+</p:sld>
+</file>
+
+<file path=ppt/slides/slide17.xml><?xml version="1.0" encoding="utf-8"?>
+<p:sld xmlns:a="http://schemas.openxmlformats.org/drawingml/2006/main" xmlns:r="http://schemas.openxmlformats.org/officeDocument/2006/relationships" xmlns:p="http://schemas.openxmlformats.org/presentationml/2006/main">
+  <p:cSld>
+    <p:spTree>
+      <p:nvGrpSpPr>
+        <p:cNvPr id="1" name=""/>
+        <p:cNvGrpSpPr/>
+        <p:nvPr/>
+      </p:nvGrpSpPr>
+      <p:grpSpPr>
+        <a:xfrm>
+          <a:off x="0" y="0"/>
+          <a:ext cx="0" cy="0"/>
+          <a:chOff x="0" y="0"/>
+          <a:chExt cx="0" cy="0"/>
+        </a:xfrm>
+      </p:grpSpPr>
+      <p:sp>
+        <p:nvSpPr>
+          <p:cNvPr id="2" name="標題 1">
+            <a:extLst>
+              <a:ext uri="{FF2B5EF4-FFF2-40B4-BE49-F238E27FC236}">
                 <a16:creationId xmlns:a16="http://schemas.microsoft.com/office/drawing/2014/main" id="{4D103E36-CD8C-42B9-B24D-9103A753BB4D}"/>
               </a:ext>
             </a:extLst>
@@ -4516,7 +4606,7 @@
           <a:bodyPr/>
           <a:lstStyle/>
           <a:p>
-            <a:endParaRPr lang="zh-TW" altLang="en-US"/>
+            <a:endParaRPr lang="zh-TW" altLang="en-US" dirty="0"/>
           </a:p>
         </p:txBody>
       </p:sp>
@@ -4533,7 +4623,7 @@
 </p:sld>
 </file>
 
-<file path=ppt/slides/slide17.xml><?xml version="1.0" encoding="utf-8"?>
+<file path=ppt/slides/slide18.xml><?xml version="1.0" encoding="utf-8"?>
 <p:sld xmlns:a="http://schemas.openxmlformats.org/drawingml/2006/main" xmlns:r="http://schemas.openxmlformats.org/officeDocument/2006/relationships" xmlns:p="http://schemas.openxmlformats.org/presentationml/2006/main">
   <p:cSld>
     <p:spTree>
@@ -5518,12 +5608,37 @@
           <a:chExt cx="0" cy="0"/>
         </a:xfrm>
       </p:grpSpPr>
+      <p:sp>
+        <p:nvSpPr>
+          <p:cNvPr id="2" name="標題 1">
+            <a:extLst>
+              <a:ext uri="{FF2B5EF4-FFF2-40B4-BE49-F238E27FC236}">
+                <a16:creationId xmlns:a16="http://schemas.microsoft.com/office/drawing/2014/main" id="{6C3714F8-9182-48ED-A465-32BC9A709054}"/>
+              </a:ext>
+            </a:extLst>
+          </p:cNvPr>
+          <p:cNvSpPr>
+            <a:spLocks noGrp="1"/>
+          </p:cNvSpPr>
+          <p:nvPr>
+            <p:ph type="title"/>
+          </p:nvPr>
+        </p:nvSpPr>
+        <p:spPr/>
+        <p:txBody>
+          <a:bodyPr/>
+          <a:lstStyle/>
+          <a:p>
+            <a:endParaRPr lang="zh-TW" altLang="en-US"/>
+          </a:p>
+        </p:txBody>
+      </p:sp>
       <p:pic>
         <p:nvPicPr>
-          <p:cNvPr id="5" name="內容版面配置區 4">
+          <p:cNvPr id="5" name="內容版面配置區 4" descr="一張含有 螢幕擷取畫面 的圖片&#10;&#10;自動產生的描述">
             <a:extLst>
               <a:ext uri="{FF2B5EF4-FFF2-40B4-BE49-F238E27FC236}">
-                <a16:creationId xmlns:a16="http://schemas.microsoft.com/office/drawing/2014/main" id="{9DCBD097-E046-4096-9510-EB540FD45308}"/>
+                <a16:creationId xmlns:a16="http://schemas.microsoft.com/office/drawing/2014/main" id="{62BBF98D-4D2F-4235-B2A6-6D71D9C42E4D}"/>
               </a:ext>
             </a:extLst>
           </p:cNvPr>
@@ -5542,45 +5657,15 @@
         </p:blipFill>
         <p:spPr>
           <a:xfrm>
-            <a:off x="1371600" y="967817"/>
-            <a:ext cx="6313698" cy="1203883"/>
+            <a:off x="1605069" y="866584"/>
+            <a:ext cx="9134262" cy="5305616"/>
           </a:xfrm>
-        </p:spPr>
-      </p:pic>
-      <p:pic>
-        <p:nvPicPr>
-          <p:cNvPr id="7" name="圖片 6">
-            <a:extLst>
-              <a:ext uri="{FF2B5EF4-FFF2-40B4-BE49-F238E27FC236}">
-                <a16:creationId xmlns:a16="http://schemas.microsoft.com/office/drawing/2014/main" id="{042750F1-AA2A-40EA-9765-E6A47F339B1B}"/>
-              </a:ext>
-            </a:extLst>
-          </p:cNvPr>
-          <p:cNvPicPr>
-            <a:picLocks noChangeAspect="1"/>
-          </p:cNvPicPr>
-          <p:nvPr/>
-        </p:nvPicPr>
-        <p:blipFill>
-          <a:blip r:embed="rId3"/>
-          <a:stretch>
-            <a:fillRect/>
-          </a:stretch>
-        </p:blipFill>
-        <p:spPr>
-          <a:xfrm>
-            <a:off x="1075038" y="3101303"/>
-            <a:ext cx="11116962" cy="1203883"/>
-          </a:xfrm>
-          <a:prstGeom prst="rect">
-            <a:avLst/>
-          </a:prstGeom>
         </p:spPr>
       </p:pic>
     </p:spTree>
     <p:extLst>
       <p:ext uri="{BB962C8B-B14F-4D97-AF65-F5344CB8AC3E}">
-        <p14:creationId xmlns:p14="http://schemas.microsoft.com/office/powerpoint/2010/main" val="873408983"/>
+        <p14:creationId xmlns:p14="http://schemas.microsoft.com/office/powerpoint/2010/main" val="1940720146"/>
       </p:ext>
     </p:extLst>
   </p:cSld>

--- a/簡報.pptx
+++ b/簡報.pptx
@@ -5100,51 +5100,35 @@
           </a:p>
         </p:txBody>
       </p:sp>
-      <p:sp>
-        <p:nvSpPr>
-          <p:cNvPr id="3" name="內容版面配置區 2">
+      <p:pic>
+        <p:nvPicPr>
+          <p:cNvPr id="5" name="內容版面配置區 4" descr="一張含有 螢幕擷取畫面 的圖片&#10;&#10;自動產生的描述">
             <a:extLst>
               <a:ext uri="{FF2B5EF4-FFF2-40B4-BE49-F238E27FC236}">
-                <a16:creationId xmlns:a16="http://schemas.microsoft.com/office/drawing/2014/main" id="{88AF7E07-E8E8-4443-86AF-F7F85CC51A9B}"/>
+                <a16:creationId xmlns:a16="http://schemas.microsoft.com/office/drawing/2014/main" id="{76D2E545-CE78-42C9-840D-FB33F793F880}"/>
               </a:ext>
             </a:extLst>
           </p:cNvPr>
-          <p:cNvSpPr>
-            <a:spLocks noGrp="1"/>
-          </p:cNvSpPr>
+          <p:cNvPicPr>
+            <a:picLocks noGrp="1" noChangeAspect="1"/>
+          </p:cNvPicPr>
           <p:nvPr>
             <p:ph idx="1"/>
           </p:nvPr>
-        </p:nvSpPr>
-        <p:spPr/>
-        <p:txBody>
-          <a:bodyPr/>
-          <a:lstStyle/>
-          <a:p>
-            <a:pPr marL="0" indent="0">
-              <a:buNone/>
-            </a:pPr>
-            <a:r>
-              <a:rPr lang="zh-TW" altLang="en-US" dirty="0">
-                <a:latin typeface="標楷體" panose="03000509000000000000" pitchFamily="65" charset="-120"/>
-                <a:ea typeface="標楷體" panose="03000509000000000000" pitchFamily="65" charset="-120"/>
-              </a:rPr>
-              <a:t>幫我來張對話的圖片吧</a:t>
-            </a:r>
-            <a:r>
-              <a:rPr lang="en-US" altLang="zh-TW" dirty="0">
-                <a:latin typeface="標楷體" panose="03000509000000000000" pitchFamily="65" charset="-120"/>
-                <a:ea typeface="標楷體" panose="03000509000000000000" pitchFamily="65" charset="-120"/>
-              </a:rPr>
-              <a:t>!</a:t>
-            </a:r>
-            <a:endParaRPr lang="zh-TW" altLang="en-US" dirty="0">
-              <a:latin typeface="標楷體" panose="03000509000000000000" pitchFamily="65" charset="-120"/>
-              <a:ea typeface="標楷體" panose="03000509000000000000" pitchFamily="65" charset="-120"/>
-            </a:endParaRPr>
-          </a:p>
-        </p:txBody>
-      </p:sp>
+        </p:nvPicPr>
+        <p:blipFill>
+          <a:blip r:embed="rId2"/>
+          <a:stretch>
+            <a:fillRect/>
+          </a:stretch>
+        </p:blipFill>
+        <p:spPr>
+          <a:xfrm>
+            <a:off x="4251206" y="1248719"/>
+            <a:ext cx="3928967" cy="5609281"/>
+          </a:xfrm>
+        </p:spPr>
+      </p:pic>
     </p:spTree>
     <p:extLst>
       <p:ext uri="{BB962C8B-B14F-4D97-AF65-F5344CB8AC3E}">

--- a/簡報.pptx
+++ b/簡報.pptx
@@ -19,10 +19,11 @@
     <p:sldId id="260" r:id="rId13"/>
     <p:sldId id="273" r:id="rId14"/>
     <p:sldId id="261" r:id="rId15"/>
-    <p:sldId id="274" r:id="rId16"/>
-    <p:sldId id="262" r:id="rId17"/>
-    <p:sldId id="263" r:id="rId18"/>
-    <p:sldId id="266" r:id="rId19"/>
+    <p:sldId id="276" r:id="rId16"/>
+    <p:sldId id="274" r:id="rId17"/>
+    <p:sldId id="262" r:id="rId18"/>
+    <p:sldId id="263" r:id="rId19"/>
+    <p:sldId id="266" r:id="rId20"/>
   </p:sldIdLst>
   <p:sldSz cx="12192000" cy="6858000"/>
   <p:notesSz cx="6858000" cy="9144000"/>
@@ -3818,7 +3819,7 @@
           <p:cNvPr id="2" name="標題 1">
             <a:extLst>
               <a:ext uri="{FF2B5EF4-FFF2-40B4-BE49-F238E27FC236}">
-                <a16:creationId xmlns:a16="http://schemas.microsoft.com/office/drawing/2014/main" id="{AD48AD94-E7D5-4417-91A2-308683A3716E}"/>
+                <a16:creationId xmlns:a16="http://schemas.microsoft.com/office/drawing/2014/main" xmlns="" id="{AD48AD94-E7D5-4417-91A2-308683A3716E}"/>
               </a:ext>
             </a:extLst>
           </p:cNvPr>
@@ -3849,7 +3850,7 @@
           <p:cNvPr id="3" name="副標題 2">
             <a:extLst>
               <a:ext uri="{FF2B5EF4-FFF2-40B4-BE49-F238E27FC236}">
-                <a16:creationId xmlns:a16="http://schemas.microsoft.com/office/drawing/2014/main" id="{2F9F6C4C-DC4A-49A2-9A41-6B1F09761EAE}"/>
+                <a16:creationId xmlns:a16="http://schemas.microsoft.com/office/drawing/2014/main" xmlns="" id="{2F9F6C4C-DC4A-49A2-9A41-6B1F09761EAE}"/>
               </a:ext>
             </a:extLst>
           </p:cNvPr>
@@ -3990,7 +3991,7 @@
           <p:cNvPr id="5" name="內容版面配置區 4">
             <a:extLst>
               <a:ext uri="{FF2B5EF4-FFF2-40B4-BE49-F238E27FC236}">
-                <a16:creationId xmlns:a16="http://schemas.microsoft.com/office/drawing/2014/main" id="{9DCBD097-E046-4096-9510-EB540FD45308}"/>
+                <a16:creationId xmlns:a16="http://schemas.microsoft.com/office/drawing/2014/main" xmlns="" id="{9DCBD097-E046-4096-9510-EB540FD45308}"/>
               </a:ext>
             </a:extLst>
           </p:cNvPr>
@@ -4019,7 +4020,7 @@
           <p:cNvPr id="7" name="圖片 6">
             <a:extLst>
               <a:ext uri="{FF2B5EF4-FFF2-40B4-BE49-F238E27FC236}">
-                <a16:creationId xmlns:a16="http://schemas.microsoft.com/office/drawing/2014/main" id="{042750F1-AA2A-40EA-9765-E6A47F339B1B}"/>
+                <a16:creationId xmlns:a16="http://schemas.microsoft.com/office/drawing/2014/main" xmlns="" id="{042750F1-AA2A-40EA-9765-E6A47F339B1B}"/>
               </a:ext>
             </a:extLst>
           </p:cNvPr>
@@ -4079,7 +4080,7 @@
           <p:cNvPr id="2" name="標題 1">
             <a:extLst>
               <a:ext uri="{FF2B5EF4-FFF2-40B4-BE49-F238E27FC236}">
-                <a16:creationId xmlns:a16="http://schemas.microsoft.com/office/drawing/2014/main" id="{AD48AD94-E7D5-4417-91A2-308683A3716E}"/>
+                <a16:creationId xmlns:a16="http://schemas.microsoft.com/office/drawing/2014/main" xmlns="" id="{AD48AD94-E7D5-4417-91A2-308683A3716E}"/>
               </a:ext>
             </a:extLst>
           </p:cNvPr>
@@ -4154,7 +4155,7 @@
           <p:cNvPr id="3" name="內容版面配置區 2">
             <a:extLst>
               <a:ext uri="{FF2B5EF4-FFF2-40B4-BE49-F238E27FC236}">
-                <a16:creationId xmlns:a16="http://schemas.microsoft.com/office/drawing/2014/main" id="{C9D97A55-5DF0-4025-8811-E6BD47E9EAE2}"/>
+                <a16:creationId xmlns:a16="http://schemas.microsoft.com/office/drawing/2014/main" xmlns="" id="{C9D97A55-5DF0-4025-8811-E6BD47E9EAE2}"/>
               </a:ext>
             </a:extLst>
           </p:cNvPr>
@@ -4189,7 +4190,7 @@
           <p:cNvPr id="5" name="圖片 4">
             <a:extLst>
               <a:ext uri="{FF2B5EF4-FFF2-40B4-BE49-F238E27FC236}">
-                <a16:creationId xmlns:a16="http://schemas.microsoft.com/office/drawing/2014/main" id="{E25835CD-E6CA-40E8-B651-32475C8C483B}"/>
+                <a16:creationId xmlns:a16="http://schemas.microsoft.com/office/drawing/2014/main" xmlns="" id="{E25835CD-E6CA-40E8-B651-32475C8C483B}"/>
               </a:ext>
             </a:extLst>
           </p:cNvPr>
@@ -4249,7 +4250,7 @@
           <p:cNvPr id="2" name="標題 1">
             <a:extLst>
               <a:ext uri="{FF2B5EF4-FFF2-40B4-BE49-F238E27FC236}">
-                <a16:creationId xmlns:a16="http://schemas.microsoft.com/office/drawing/2014/main" id="{AD48AD94-E7D5-4417-91A2-308683A3716E}"/>
+                <a16:creationId xmlns:a16="http://schemas.microsoft.com/office/drawing/2014/main" xmlns="" id="{AD48AD94-E7D5-4417-91A2-308683A3716E}"/>
               </a:ext>
             </a:extLst>
           </p:cNvPr>
@@ -4319,59 +4320,78 @@
           <a:chExt cx="0" cy="0"/>
         </a:xfrm>
       </p:grpSpPr>
-      <p:sp>
-        <p:nvSpPr>
-          <p:cNvPr id="2" name="標題 1">
-            <a:extLst>
-              <a:ext uri="{FF2B5EF4-FFF2-40B4-BE49-F238E27FC236}">
-                <a16:creationId xmlns:a16="http://schemas.microsoft.com/office/drawing/2014/main" id="{A8A36709-CACF-4765-AF2D-6548009FF817}"/>
-              </a:ext>
-            </a:extLst>
-          </p:cNvPr>
-          <p:cNvSpPr>
-            <a:spLocks noGrp="1"/>
-          </p:cNvSpPr>
-          <p:nvPr>
-            <p:ph type="title"/>
-          </p:nvPr>
-        </p:nvSpPr>
-        <p:spPr/>
-        <p:txBody>
-          <a:bodyPr/>
-          <a:lstStyle/>
-          <a:p>
-            <a:endParaRPr lang="zh-TW" altLang="en-US" dirty="0">
-              <a:latin typeface="標楷體" panose="03000509000000000000" pitchFamily="65" charset="-120"/>
-              <a:ea typeface="標楷體" panose="03000509000000000000" pitchFamily="65" charset="-120"/>
-            </a:endParaRPr>
-          </a:p>
-        </p:txBody>
-      </p:sp>
-      <p:sp>
-        <p:nvSpPr>
-          <p:cNvPr id="3" name="內容版面配置區 2">
-            <a:extLst>
-              <a:ext uri="{FF2B5EF4-FFF2-40B4-BE49-F238E27FC236}">
-                <a16:creationId xmlns:a16="http://schemas.microsoft.com/office/drawing/2014/main" id="{950CF50B-7B10-4D6F-B9BA-FEDDB492FABE}"/>
-              </a:ext>
-            </a:extLst>
-          </p:cNvPr>
-          <p:cNvSpPr>
-            <a:spLocks noGrp="1"/>
-          </p:cNvSpPr>
-          <p:nvPr>
-            <p:ph idx="1"/>
-          </p:nvPr>
-        </p:nvSpPr>
-        <p:spPr/>
-        <p:txBody>
-          <a:bodyPr/>
-          <a:lstStyle/>
-          <a:p>
-            <a:endParaRPr lang="zh-TW" altLang="en-US" dirty="0"/>
-          </a:p>
-        </p:txBody>
-      </p:sp>
+      <p:pic>
+        <p:nvPicPr>
+          <p:cNvPr id="4" name="圖片 3"/>
+          <p:cNvPicPr>
+            <a:picLocks noChangeAspect="1"/>
+          </p:cNvPicPr>
+          <p:nvPr/>
+        </p:nvPicPr>
+        <p:blipFill>
+          <a:blip r:embed="rId2"/>
+          <a:stretch>
+            <a:fillRect/>
+          </a:stretch>
+        </p:blipFill>
+        <p:spPr>
+          <a:xfrm>
+            <a:off x="1128327" y="333375"/>
+            <a:ext cx="9793212" cy="844636"/>
+          </a:xfrm>
+          <a:prstGeom prst="rect">
+            <a:avLst/>
+          </a:prstGeom>
+        </p:spPr>
+      </p:pic>
+      <p:pic>
+        <p:nvPicPr>
+          <p:cNvPr id="7" name="圖片 6"/>
+          <p:cNvPicPr>
+            <a:picLocks noChangeAspect="1"/>
+          </p:cNvPicPr>
+          <p:nvPr/>
+        </p:nvPicPr>
+        <p:blipFill>
+          <a:blip r:embed="rId3"/>
+          <a:stretch>
+            <a:fillRect/>
+          </a:stretch>
+        </p:blipFill>
+        <p:spPr>
+          <a:xfrm>
+            <a:off x="1128327" y="1721709"/>
+            <a:ext cx="4700726" cy="4452551"/>
+          </a:xfrm>
+          <a:prstGeom prst="rect">
+            <a:avLst/>
+          </a:prstGeom>
+        </p:spPr>
+      </p:pic>
+      <p:pic>
+        <p:nvPicPr>
+          <p:cNvPr id="8" name="圖片 7"/>
+          <p:cNvPicPr>
+            <a:picLocks noChangeAspect="1"/>
+          </p:cNvPicPr>
+          <p:nvPr/>
+        </p:nvPicPr>
+        <p:blipFill>
+          <a:blip r:embed="rId4"/>
+          <a:stretch>
+            <a:fillRect/>
+          </a:stretch>
+        </p:blipFill>
+        <p:spPr>
+          <a:xfrm>
+            <a:off x="6381879" y="2793269"/>
+            <a:ext cx="5452471" cy="2025865"/>
+          </a:xfrm>
+          <a:prstGeom prst="rect">
+            <a:avLst/>
+          </a:prstGeom>
+        </p:spPr>
+      </p:pic>
     </p:spTree>
     <p:extLst>
       <p:ext uri="{BB962C8B-B14F-4D97-AF65-F5344CB8AC3E}">
@@ -4402,55 +4422,34 @@
           <a:chExt cx="0" cy="0"/>
         </a:xfrm>
       </p:grpSpPr>
-      <p:sp>
-        <p:nvSpPr>
-          <p:cNvPr id="2" name="標題 1">
-            <a:extLst>
-              <a:ext uri="{FF2B5EF4-FFF2-40B4-BE49-F238E27FC236}">
-                <a16:creationId xmlns:a16="http://schemas.microsoft.com/office/drawing/2014/main" id="{AD48AD94-E7D5-4417-91A2-308683A3716E}"/>
-              </a:ext>
-            </a:extLst>
-          </p:cNvPr>
-          <p:cNvSpPr>
-            <a:spLocks noGrp="1"/>
-          </p:cNvSpPr>
-          <p:nvPr>
-            <p:ph type="ctrTitle"/>
-          </p:nvPr>
-        </p:nvSpPr>
-        <p:spPr/>
-        <p:txBody>
-          <a:bodyPr/>
-          <a:lstStyle/>
-          <a:p>
-            <a:r>
-              <a:rPr lang="zh-TW" altLang="en-US" dirty="0">
-                <a:latin typeface="標楷體" panose="03000509000000000000" pitchFamily="65" charset="-120"/>
-                <a:ea typeface="標楷體" panose="03000509000000000000" pitchFamily="65" charset="-120"/>
-              </a:rPr>
-              <a:t>四</a:t>
-            </a:r>
-            <a:r>
-              <a:rPr lang="en-US" altLang="zh-TW" dirty="0">
-                <a:latin typeface="標楷體" panose="03000509000000000000" pitchFamily="65" charset="-120"/>
-                <a:ea typeface="標楷體" panose="03000509000000000000" pitchFamily="65" charset="-120"/>
-              </a:rPr>
-              <a:t>.</a:t>
-            </a:r>
-            <a:r>
-              <a:rPr lang="zh-TW" altLang="en-US" dirty="0">
-                <a:latin typeface="標楷體" panose="03000509000000000000" pitchFamily="65" charset="-120"/>
-                <a:ea typeface="標楷體" panose="03000509000000000000" pitchFamily="65" charset="-120"/>
-              </a:rPr>
-              <a:t>搜尋結果的篩選方法</a:t>
-            </a:r>
-          </a:p>
-        </p:txBody>
-      </p:sp>
+      <p:pic>
+        <p:nvPicPr>
+          <p:cNvPr id="4" name="圖片 3"/>
+          <p:cNvPicPr>
+            <a:picLocks noChangeAspect="1"/>
+          </p:cNvPicPr>
+          <p:nvPr/>
+        </p:nvPicPr>
+        <p:blipFill>
+          <a:blip r:embed="rId2"/>
+          <a:stretch>
+            <a:fillRect/>
+          </a:stretch>
+        </p:blipFill>
+        <p:spPr>
+          <a:xfrm>
+            <a:off x="1381640" y="1164882"/>
+            <a:ext cx="10258425" cy="4248150"/>
+          </a:xfrm>
+          <a:prstGeom prst="rect">
+            <a:avLst/>
+          </a:prstGeom>
+        </p:spPr>
+      </p:pic>
     </p:spTree>
     <p:extLst>
       <p:ext uri="{BB962C8B-B14F-4D97-AF65-F5344CB8AC3E}">
-        <p14:creationId xmlns:p14="http://schemas.microsoft.com/office/powerpoint/2010/main" val="1959377714"/>
+        <p14:creationId xmlns:p14="http://schemas.microsoft.com/office/powerpoint/2010/main" val="1677569989"/>
       </p:ext>
     </p:extLst>
   </p:cSld>
@@ -4482,7 +4481,7 @@
           <p:cNvPr id="2" name="標題 1">
             <a:extLst>
               <a:ext uri="{FF2B5EF4-FFF2-40B4-BE49-F238E27FC236}">
-                <a16:creationId xmlns:a16="http://schemas.microsoft.com/office/drawing/2014/main" id="{B4B8EB5F-6633-4691-B53D-47F5F6B59BF3}"/>
+                <a16:creationId xmlns:a16="http://schemas.microsoft.com/office/drawing/2014/main" xmlns="" id="{AD48AD94-E7D5-4417-91A2-308683A3716E}"/>
               </a:ext>
             </a:extLst>
           </p:cNvPr>
@@ -4490,7 +4489,7 @@
             <a:spLocks noGrp="1"/>
           </p:cNvSpPr>
           <p:nvPr>
-            <p:ph type="title"/>
+            <p:ph type="ctrTitle"/>
           </p:nvPr>
         </p:nvSpPr>
         <p:spPr/>
@@ -4498,39 +4497,34 @@
           <a:bodyPr/>
           <a:lstStyle/>
           <a:p>
-            <a:endParaRPr lang="zh-TW" altLang="en-US" dirty="0"/>
-          </a:p>
-        </p:txBody>
-      </p:sp>
-      <p:sp>
-        <p:nvSpPr>
-          <p:cNvPr id="3" name="內容版面配置區 2">
-            <a:extLst>
-              <a:ext uri="{FF2B5EF4-FFF2-40B4-BE49-F238E27FC236}">
-                <a16:creationId xmlns:a16="http://schemas.microsoft.com/office/drawing/2014/main" id="{86DFBA8A-D2B9-4731-B3F6-D50F0C0FBA8A}"/>
-              </a:ext>
-            </a:extLst>
-          </p:cNvPr>
-          <p:cNvSpPr>
-            <a:spLocks noGrp="1"/>
-          </p:cNvSpPr>
-          <p:nvPr>
-            <p:ph idx="1"/>
-          </p:nvPr>
-        </p:nvSpPr>
-        <p:spPr/>
-        <p:txBody>
-          <a:bodyPr/>
-          <a:lstStyle/>
-          <a:p>
-            <a:endParaRPr lang="zh-TW" altLang="en-US"/>
+            <a:r>
+              <a:rPr lang="zh-TW" altLang="en-US" dirty="0">
+                <a:latin typeface="標楷體" panose="03000509000000000000" pitchFamily="65" charset="-120"/>
+                <a:ea typeface="標楷體" panose="03000509000000000000" pitchFamily="65" charset="-120"/>
+              </a:rPr>
+              <a:t>四</a:t>
+            </a:r>
+            <a:r>
+              <a:rPr lang="en-US" altLang="zh-TW" dirty="0">
+                <a:latin typeface="標楷體" panose="03000509000000000000" pitchFamily="65" charset="-120"/>
+                <a:ea typeface="標楷體" panose="03000509000000000000" pitchFamily="65" charset="-120"/>
+              </a:rPr>
+              <a:t>.</a:t>
+            </a:r>
+            <a:r>
+              <a:rPr lang="zh-TW" altLang="en-US" dirty="0">
+                <a:latin typeface="標楷體" panose="03000509000000000000" pitchFamily="65" charset="-120"/>
+                <a:ea typeface="標楷體" panose="03000509000000000000" pitchFamily="65" charset="-120"/>
+              </a:rPr>
+              <a:t>搜尋結果的篩選方法</a:t>
+            </a:r>
           </a:p>
         </p:txBody>
       </p:sp>
     </p:spTree>
     <p:extLst>
       <p:ext uri="{BB962C8B-B14F-4D97-AF65-F5344CB8AC3E}">
-        <p14:creationId xmlns:p14="http://schemas.microsoft.com/office/powerpoint/2010/main" val="2425967556"/>
+        <p14:creationId xmlns:p14="http://schemas.microsoft.com/office/powerpoint/2010/main" val="1959377714"/>
       </p:ext>
     </p:extLst>
   </p:cSld>
@@ -4562,7 +4556,7 @@
           <p:cNvPr id="2" name="標題 1">
             <a:extLst>
               <a:ext uri="{FF2B5EF4-FFF2-40B4-BE49-F238E27FC236}">
-                <a16:creationId xmlns:a16="http://schemas.microsoft.com/office/drawing/2014/main" id="{4D103E36-CD8C-42B9-B24D-9103A753BB4D}"/>
+                <a16:creationId xmlns:a16="http://schemas.microsoft.com/office/drawing/2014/main" xmlns="" id="{B4B8EB5F-6633-4691-B53D-47F5F6B59BF3}"/>
               </a:ext>
             </a:extLst>
           </p:cNvPr>
@@ -4578,10 +4572,7 @@
           <a:bodyPr/>
           <a:lstStyle/>
           <a:p>
-            <a:r>
-              <a:rPr lang="zh-TW" altLang="en-US" dirty="0"/>
-              <a:t>後續改進方向</a:t>
-            </a:r>
+            <a:endParaRPr lang="zh-TW" altLang="en-US" dirty="0"/>
           </a:p>
         </p:txBody>
       </p:sp>
@@ -4590,7 +4581,7 @@
           <p:cNvPr id="3" name="內容版面配置區 2">
             <a:extLst>
               <a:ext uri="{FF2B5EF4-FFF2-40B4-BE49-F238E27FC236}">
-                <a16:creationId xmlns:a16="http://schemas.microsoft.com/office/drawing/2014/main" id="{1109CEC8-648C-4211-90C8-F453066321F0}"/>
+                <a16:creationId xmlns:a16="http://schemas.microsoft.com/office/drawing/2014/main" xmlns="" id="{86DFBA8A-D2B9-4731-B3F6-D50F0C0FBA8A}"/>
               </a:ext>
             </a:extLst>
           </p:cNvPr>
@@ -4606,14 +4597,14 @@
           <a:bodyPr/>
           <a:lstStyle/>
           <a:p>
-            <a:endParaRPr lang="zh-TW" altLang="en-US" dirty="0"/>
+            <a:endParaRPr lang="zh-TW" altLang="en-US"/>
           </a:p>
         </p:txBody>
       </p:sp>
     </p:spTree>
     <p:extLst>
       <p:ext uri="{BB962C8B-B14F-4D97-AF65-F5344CB8AC3E}">
-        <p14:creationId xmlns:p14="http://schemas.microsoft.com/office/powerpoint/2010/main" val="4082104726"/>
+        <p14:creationId xmlns:p14="http://schemas.microsoft.com/office/powerpoint/2010/main" val="2425967556"/>
       </p:ext>
     </p:extLst>
   </p:cSld>
@@ -4645,7 +4636,90 @@
           <p:cNvPr id="2" name="標題 1">
             <a:extLst>
               <a:ext uri="{FF2B5EF4-FFF2-40B4-BE49-F238E27FC236}">
-                <a16:creationId xmlns:a16="http://schemas.microsoft.com/office/drawing/2014/main" id="{AD48AD94-E7D5-4417-91A2-308683A3716E}"/>
+                <a16:creationId xmlns:a16="http://schemas.microsoft.com/office/drawing/2014/main" xmlns="" id="{4D103E36-CD8C-42B9-B24D-9103A753BB4D}"/>
+              </a:ext>
+            </a:extLst>
+          </p:cNvPr>
+          <p:cNvSpPr>
+            <a:spLocks noGrp="1"/>
+          </p:cNvSpPr>
+          <p:nvPr>
+            <p:ph type="title"/>
+          </p:nvPr>
+        </p:nvSpPr>
+        <p:spPr/>
+        <p:txBody>
+          <a:bodyPr/>
+          <a:lstStyle/>
+          <a:p>
+            <a:r>
+              <a:rPr lang="zh-TW" altLang="en-US" dirty="0"/>
+              <a:t>後續改進方向</a:t>
+            </a:r>
+          </a:p>
+        </p:txBody>
+      </p:sp>
+      <p:sp>
+        <p:nvSpPr>
+          <p:cNvPr id="3" name="內容版面配置區 2">
+            <a:extLst>
+              <a:ext uri="{FF2B5EF4-FFF2-40B4-BE49-F238E27FC236}">
+                <a16:creationId xmlns:a16="http://schemas.microsoft.com/office/drawing/2014/main" xmlns="" id="{1109CEC8-648C-4211-90C8-F453066321F0}"/>
+              </a:ext>
+            </a:extLst>
+          </p:cNvPr>
+          <p:cNvSpPr>
+            <a:spLocks noGrp="1"/>
+          </p:cNvSpPr>
+          <p:nvPr>
+            <p:ph idx="1"/>
+          </p:nvPr>
+        </p:nvSpPr>
+        <p:spPr/>
+        <p:txBody>
+          <a:bodyPr/>
+          <a:lstStyle/>
+          <a:p>
+            <a:endParaRPr lang="zh-TW" altLang="en-US" dirty="0"/>
+          </a:p>
+        </p:txBody>
+      </p:sp>
+    </p:spTree>
+    <p:extLst>
+      <p:ext uri="{BB962C8B-B14F-4D97-AF65-F5344CB8AC3E}">
+        <p14:creationId xmlns:p14="http://schemas.microsoft.com/office/powerpoint/2010/main" val="4082104726"/>
+      </p:ext>
+    </p:extLst>
+  </p:cSld>
+  <p:clrMapOvr>
+    <a:masterClrMapping/>
+  </p:clrMapOvr>
+</p:sld>
+</file>
+
+<file path=ppt/slides/slide19.xml><?xml version="1.0" encoding="utf-8"?>
+<p:sld xmlns:a="http://schemas.openxmlformats.org/drawingml/2006/main" xmlns:r="http://schemas.openxmlformats.org/officeDocument/2006/relationships" xmlns:p="http://schemas.openxmlformats.org/presentationml/2006/main">
+  <p:cSld>
+    <p:spTree>
+      <p:nvGrpSpPr>
+        <p:cNvPr id="1" name=""/>
+        <p:cNvGrpSpPr/>
+        <p:nvPr/>
+      </p:nvGrpSpPr>
+      <p:grpSpPr>
+        <a:xfrm>
+          <a:off x="0" y="0"/>
+          <a:ext cx="0" cy="0"/>
+          <a:chOff x="0" y="0"/>
+          <a:chExt cx="0" cy="0"/>
+        </a:xfrm>
+      </p:grpSpPr>
+      <p:sp>
+        <p:nvSpPr>
+          <p:cNvPr id="2" name="標題 1">
+            <a:extLst>
+              <a:ext uri="{FF2B5EF4-FFF2-40B4-BE49-F238E27FC236}">
+                <a16:creationId xmlns:a16="http://schemas.microsoft.com/office/drawing/2014/main" xmlns="" id="{AD48AD94-E7D5-4417-91A2-308683A3716E}"/>
               </a:ext>
             </a:extLst>
           </p:cNvPr>
@@ -4706,7 +4780,7 @@
           <p:cNvPr id="2" name="標題 1">
             <a:extLst>
               <a:ext uri="{FF2B5EF4-FFF2-40B4-BE49-F238E27FC236}">
-                <a16:creationId xmlns:a16="http://schemas.microsoft.com/office/drawing/2014/main" id="{AD48AD94-E7D5-4417-91A2-308683A3716E}"/>
+                <a16:creationId xmlns:a16="http://schemas.microsoft.com/office/drawing/2014/main" xmlns="" id="{AD48AD94-E7D5-4417-91A2-308683A3716E}"/>
               </a:ext>
             </a:extLst>
           </p:cNvPr>
@@ -4751,7 +4825,7 @@
           <p:cNvPr id="3" name="副標題 2">
             <a:extLst>
               <a:ext uri="{FF2B5EF4-FFF2-40B4-BE49-F238E27FC236}">
-                <a16:creationId xmlns:a16="http://schemas.microsoft.com/office/drawing/2014/main" id="{2F9F6C4C-DC4A-49A2-9A41-6B1F09761EAE}"/>
+                <a16:creationId xmlns:a16="http://schemas.microsoft.com/office/drawing/2014/main" xmlns="" id="{2F9F6C4C-DC4A-49A2-9A41-6B1F09761EAE}"/>
               </a:ext>
             </a:extLst>
           </p:cNvPr>
@@ -4808,7 +4882,7 @@
           <p:cNvPr id="11" name="內容版面配置區 10">
             <a:extLst>
               <a:ext uri="{FF2B5EF4-FFF2-40B4-BE49-F238E27FC236}">
-                <a16:creationId xmlns:a16="http://schemas.microsoft.com/office/drawing/2014/main" id="{525D72BA-9F27-47A7-858E-99A1E2005D9E}"/>
+                <a16:creationId xmlns:a16="http://schemas.microsoft.com/office/drawing/2014/main" xmlns="" id="{525D72BA-9F27-47A7-858E-99A1E2005D9E}"/>
               </a:ext>
             </a:extLst>
           </p:cNvPr>
@@ -4837,7 +4911,7 @@
           <p:cNvPr id="13" name="圖片 12">
             <a:extLst>
               <a:ext uri="{FF2B5EF4-FFF2-40B4-BE49-F238E27FC236}">
-                <a16:creationId xmlns:a16="http://schemas.microsoft.com/office/drawing/2014/main" id="{BC52A35B-95CB-474D-9736-436DCFB99684}"/>
+                <a16:creationId xmlns:a16="http://schemas.microsoft.com/office/drawing/2014/main" xmlns="" id="{BC52A35B-95CB-474D-9736-436DCFB99684}"/>
               </a:ext>
             </a:extLst>
           </p:cNvPr>
@@ -4867,7 +4941,7 @@
           <p:cNvPr id="17" name="圖片 16">
             <a:extLst>
               <a:ext uri="{FF2B5EF4-FFF2-40B4-BE49-F238E27FC236}">
-                <a16:creationId xmlns:a16="http://schemas.microsoft.com/office/drawing/2014/main" id="{CF19ACCA-9719-47F7-BC97-9FB6FE2EBECC}"/>
+                <a16:creationId xmlns:a16="http://schemas.microsoft.com/office/drawing/2014/main" xmlns="" id="{CF19ACCA-9719-47F7-BC97-9FB6FE2EBECC}"/>
               </a:ext>
             </a:extLst>
           </p:cNvPr>
@@ -4897,7 +4971,7 @@
           <p:cNvPr id="21" name="圖片 20">
             <a:extLst>
               <a:ext uri="{FF2B5EF4-FFF2-40B4-BE49-F238E27FC236}">
-                <a16:creationId xmlns:a16="http://schemas.microsoft.com/office/drawing/2014/main" id="{5ED8DE5C-40E7-4403-8774-C9D6CFBBC26E}"/>
+                <a16:creationId xmlns:a16="http://schemas.microsoft.com/office/drawing/2014/main" xmlns="" id="{5ED8DE5C-40E7-4403-8774-C9D6CFBBC26E}"/>
               </a:ext>
             </a:extLst>
           </p:cNvPr>
@@ -4927,7 +5001,7 @@
           <p:cNvPr id="23" name="圖片 22">
             <a:extLst>
               <a:ext uri="{FF2B5EF4-FFF2-40B4-BE49-F238E27FC236}">
-                <a16:creationId xmlns:a16="http://schemas.microsoft.com/office/drawing/2014/main" id="{914F7894-B6B5-43C3-89B3-2AA207E91349}"/>
+                <a16:creationId xmlns:a16="http://schemas.microsoft.com/office/drawing/2014/main" xmlns="" id="{914F7894-B6B5-43C3-89B3-2AA207E91349}"/>
               </a:ext>
             </a:extLst>
           </p:cNvPr>
@@ -4987,7 +5061,7 @@
           <p:cNvPr id="2" name="標題 1">
             <a:extLst>
               <a:ext uri="{FF2B5EF4-FFF2-40B4-BE49-F238E27FC236}">
-                <a16:creationId xmlns:a16="http://schemas.microsoft.com/office/drawing/2014/main" id="{AD48AD94-E7D5-4417-91A2-308683A3716E}"/>
+                <a16:creationId xmlns:a16="http://schemas.microsoft.com/office/drawing/2014/main" xmlns="" id="{AD48AD94-E7D5-4417-91A2-308683A3716E}"/>
               </a:ext>
             </a:extLst>
           </p:cNvPr>
@@ -5062,7 +5136,7 @@
           <p:cNvPr id="2" name="標題 1">
             <a:extLst>
               <a:ext uri="{FF2B5EF4-FFF2-40B4-BE49-F238E27FC236}">
-                <a16:creationId xmlns:a16="http://schemas.microsoft.com/office/drawing/2014/main" id="{F727C753-FE87-47C0-B288-DEE0798345C1}"/>
+                <a16:creationId xmlns:a16="http://schemas.microsoft.com/office/drawing/2014/main" xmlns="" id="{F727C753-FE87-47C0-B288-DEE0798345C1}"/>
               </a:ext>
             </a:extLst>
           </p:cNvPr>
@@ -5086,6 +5160,13 @@
                 <a:ea typeface="標楷體" panose="03000509000000000000" pitchFamily="65" charset="-120"/>
               </a:rPr>
               <a:t>透過對話協助查詢中原大學獎學金資訊</a:t>
+            </a:r>
+            <a:r>
+              <a:rPr lang="en-US" altLang="zh-TW" dirty="0">
+                <a:latin typeface="標楷體" panose="03000509000000000000" pitchFamily="65" charset="-120"/>
+                <a:ea typeface="標楷體" panose="03000509000000000000" pitchFamily="65" charset="-120"/>
+              </a:rPr>
+              <a:t/>
             </a:r>
             <a:br>
               <a:rPr lang="en-US" altLang="zh-TW" dirty="0">
@@ -5105,7 +5186,7 @@
           <p:cNvPr id="5" name="內容版面配置區 4" descr="一張含有 螢幕擷取畫面 的圖片&#10;&#10;自動產生的描述">
             <a:extLst>
               <a:ext uri="{FF2B5EF4-FFF2-40B4-BE49-F238E27FC236}">
-                <a16:creationId xmlns:a16="http://schemas.microsoft.com/office/drawing/2014/main" id="{76D2E545-CE78-42C9-840D-FB33F793F880}"/>
+                <a16:creationId xmlns:a16="http://schemas.microsoft.com/office/drawing/2014/main" xmlns="" id="{76D2E545-CE78-42C9-840D-FB33F793F880}"/>
               </a:ext>
             </a:extLst>
           </p:cNvPr>
@@ -5164,7 +5245,7 @@
           <p:cNvPr id="2" name="標題 1">
             <a:extLst>
               <a:ext uri="{FF2B5EF4-FFF2-40B4-BE49-F238E27FC236}">
-                <a16:creationId xmlns:a16="http://schemas.microsoft.com/office/drawing/2014/main" id="{AD48AD94-E7D5-4417-91A2-308683A3716E}"/>
+                <a16:creationId xmlns:a16="http://schemas.microsoft.com/office/drawing/2014/main" xmlns="" id="{AD48AD94-E7D5-4417-91A2-308683A3716E}"/>
               </a:ext>
             </a:extLst>
           </p:cNvPr>
@@ -5239,7 +5320,7 @@
           <p:cNvPr id="3" name="內容版面配置區 2">
             <a:extLst>
               <a:ext uri="{FF2B5EF4-FFF2-40B4-BE49-F238E27FC236}">
-                <a16:creationId xmlns:a16="http://schemas.microsoft.com/office/drawing/2014/main" id="{C7CE9502-B60D-4FBC-8DAB-A88698D9D599}"/>
+                <a16:creationId xmlns:a16="http://schemas.microsoft.com/office/drawing/2014/main" xmlns="" id="{C7CE9502-B60D-4FBC-8DAB-A88698D9D599}"/>
               </a:ext>
             </a:extLst>
           </p:cNvPr>
@@ -5478,7 +5559,7 @@
           <p:cNvPr id="7" name="圖片 6">
             <a:extLst>
               <a:ext uri="{FF2B5EF4-FFF2-40B4-BE49-F238E27FC236}">
-                <a16:creationId xmlns:a16="http://schemas.microsoft.com/office/drawing/2014/main" id="{C2350F66-F9E6-4B8A-B60F-8B935A3A6831}"/>
+                <a16:creationId xmlns:a16="http://schemas.microsoft.com/office/drawing/2014/main" xmlns="" id="{C2350F66-F9E6-4B8A-B60F-8B935A3A6831}"/>
               </a:ext>
             </a:extLst>
           </p:cNvPr>
@@ -5538,7 +5619,7 @@
           <p:cNvPr id="5" name="內容版面配置區 4">
             <a:extLst>
               <a:ext uri="{FF2B5EF4-FFF2-40B4-BE49-F238E27FC236}">
-                <a16:creationId xmlns:a16="http://schemas.microsoft.com/office/drawing/2014/main" id="{673E6DC4-6542-4E24-B461-AF09B4C1C73B}"/>
+                <a16:creationId xmlns:a16="http://schemas.microsoft.com/office/drawing/2014/main" xmlns="" id="{673E6DC4-6542-4E24-B461-AF09B4C1C73B}"/>
               </a:ext>
             </a:extLst>
           </p:cNvPr>
@@ -5597,7 +5678,7 @@
           <p:cNvPr id="2" name="標題 1">
             <a:extLst>
               <a:ext uri="{FF2B5EF4-FFF2-40B4-BE49-F238E27FC236}">
-                <a16:creationId xmlns:a16="http://schemas.microsoft.com/office/drawing/2014/main" id="{6C3714F8-9182-48ED-A465-32BC9A709054}"/>
+                <a16:creationId xmlns:a16="http://schemas.microsoft.com/office/drawing/2014/main" xmlns="" id="{6C3714F8-9182-48ED-A465-32BC9A709054}"/>
               </a:ext>
             </a:extLst>
           </p:cNvPr>
@@ -5622,7 +5703,7 @@
           <p:cNvPr id="5" name="內容版面配置區 4" descr="一張含有 螢幕擷取畫面 的圖片&#10;&#10;自動產生的描述">
             <a:extLst>
               <a:ext uri="{FF2B5EF4-FFF2-40B4-BE49-F238E27FC236}">
-                <a16:creationId xmlns:a16="http://schemas.microsoft.com/office/drawing/2014/main" id="{62BBF98D-4D2F-4235-B2A6-6D71D9C42E4D}"/>
+                <a16:creationId xmlns:a16="http://schemas.microsoft.com/office/drawing/2014/main" xmlns="" id="{62BBF98D-4D2F-4235-B2A6-6D71D9C42E4D}"/>
               </a:ext>
             </a:extLst>
           </p:cNvPr>
